--- a/resources/FoodiesDelight.pptx
+++ b/resources/FoodiesDelight.pptx
@@ -8450,7 +8450,7 @@
           <a:p>
             <a:r>
               <a:rPr lang="en-US" dirty="0"/>
-              <a:t>References &amp; Acknowledgements</a:t>
+              <a:t>References Acknowledgements &amp; Credits</a:t>
             </a:r>
           </a:p>
         </p:txBody>
@@ -8475,6 +8475,19 @@
         <p:txBody>
           <a:bodyPr/>
           <a:lstStyle/>
+          <a:p>
+            <a:r>
+              <a:rPr lang="en-US" dirty="0"/>
+              <a:t>Reused some of the components. </a:t>
+            </a:r>
+            <a:r>
+              <a:rPr lang="en-US"/>
+              <a:t>Credits to below:</a:t>
+            </a:r>
+            <a:endParaRPr lang="en-US">
+              <a:hlinkClick r:id="rId2"/>
+            </a:endParaRPr>
+          </a:p>
           <a:p>
             <a:r>
               <a:rPr lang="en-US" dirty="0">
